--- a/Empowering-Communication-An-ASL-Interpreter-for-Individuals-with-Disabilities-Using-Computer-Vision-.pptx
+++ b/Empowering-Communication-An-ASL-Interpreter-for-Individuals-with-Disabilities-Using-Computer-Vision-.pptx
@@ -36,7 +36,7 @@
       <p:regular r:id="rId16"/>
     </p:embeddedFont>
     <p:embeddedFont>
-      <p:font typeface="Petrona Bold" pitchFamily="2" charset="0"/>
+      <p:font typeface="Petrona Bold"/>
       <p:bold r:id="rId17"/>
     </p:embeddedFont>
   </p:embeddedFontLst>
@@ -2737,7 +2737,7 @@
         </p:blipFill>
         <p:spPr>
           <a:xfrm>
-            <a:off x="626626" y="4567951"/>
+            <a:off x="626626" y="4556800"/>
             <a:ext cx="3672840" cy="2560320"/>
           </a:xfrm>
           <a:prstGeom prst="rect">
@@ -3584,7 +3584,7 @@
         <p:spPr>
           <a:xfrm>
             <a:off x="12857355" y="7707985"/>
-            <a:ext cx="1683834" cy="386536"/>
+            <a:ext cx="1683834" cy="480262"/>
           </a:xfrm>
           <a:prstGeom prst="rect">
             <a:avLst/>
@@ -8135,6 +8135,13 @@
             <a:prstDash val="solid"/>
           </a:ln>
         </p:spPr>
+        <p:txBody>
+          <a:bodyPr/>
+          <a:lstStyle/>
+          <a:p>
+            <a:endParaRPr lang="en-IN" dirty="0"/>
+          </a:p>
+        </p:txBody>
       </p:sp>
       <p:sp>
         <p:nvSpPr>
@@ -8215,7 +8222,18 @@
                 <a:ea typeface="Inter" pitchFamily="34" charset="-122"/>
                 <a:cs typeface="Inter" pitchFamily="34" charset="-120"/>
               </a:rPr>
-              <a:t>Epochs: 300</a:t>
+              <a:t>Epochs</a:t>
+            </a:r>
+            <a:r>
+              <a:rPr lang="en-US" sz="1550" kern="0" spc="-31">
+                <a:solidFill>
+                  <a:srgbClr val="E0D6DE"/>
+                </a:solidFill>
+                <a:latin typeface="Inter" pitchFamily="34" charset="0"/>
+                <a:ea typeface="Inter" pitchFamily="34" charset="-122"/>
+                <a:cs typeface="Inter" pitchFamily="34" charset="-120"/>
+              </a:rPr>
+              <a:t>: 120</a:t>
             </a:r>
             <a:endParaRPr lang="en-US" sz="1550" dirty="0"/>
           </a:p>
